--- a/LessonPlans+Slides/Wk1Day1-Intro.pptx
+++ b/LessonPlans+Slides/Wk1Day1-Intro.pptx
@@ -5,7 +5,7 @@
     <p:sldMasterId id="2147483648" r:id="rId1"/>
   </p:sldMasterIdLst>
   <p:notesMasterIdLst>
-    <p:notesMasterId r:id="rId21"/>
+    <p:notesMasterId r:id="rId23"/>
   </p:notesMasterIdLst>
   <p:sldIdLst>
     <p:sldId id="256" r:id="rId2"/>
@@ -23,10 +23,12 @@
     <p:sldId id="260" r:id="rId14"/>
     <p:sldId id="261" r:id="rId15"/>
     <p:sldId id="262" r:id="rId16"/>
-    <p:sldId id="264" r:id="rId17"/>
-    <p:sldId id="265" r:id="rId18"/>
-    <p:sldId id="278" r:id="rId19"/>
-    <p:sldId id="279" r:id="rId20"/>
+    <p:sldId id="278" r:id="rId17"/>
+    <p:sldId id="279" r:id="rId18"/>
+    <p:sldId id="280" r:id="rId19"/>
+    <p:sldId id="281" r:id="rId20"/>
+    <p:sldId id="264" r:id="rId21"/>
+    <p:sldId id="265" r:id="rId22"/>
   </p:sldIdLst>
   <p:sldSz cx="9144000" cy="6858000" type="screen4x3"/>
   <p:notesSz cx="6858000" cy="9144000"/>
@@ -127,7 +129,7 @@
   </p:defaultTextStyle>
   <p:extLst>
     <p:ext uri="{EFAFB233-063F-42B5-8137-9DF3F51BA10A}">
-      <p15:sldGuideLst xmlns:p15="http://schemas.microsoft.com/office/powerpoint/2012/main" xmlns="">
+      <p15:sldGuideLst xmlns:p15="http://schemas.microsoft.com/office/powerpoint/2012/main">
         <p15:guide id="1" orient="horz" pos="2160">
           <p15:clr>
             <a:srgbClr val="A4A3A4"/>
@@ -226,7 +228,7 @@
           <a:p>
             <a:fld id="{1FC32AA1-1225-9048-80C3-2B6F58548154}" type="datetimeFigureOut">
               <a:rPr lang="en-US" smtClean="0"/>
-              <a:t>6/19/16</a:t>
+              <a:t>1/8/18</a:t>
             </a:fld>
             <a:endParaRPr lang="en-US"/>
           </a:p>
@@ -1391,7 +1393,7 @@
           <a:p>
             <a:fld id="{12110144-19AD-4D4E-902D-E18AF93089D3}" type="datetimeFigureOut">
               <a:rPr lang="en-US" smtClean="0"/>
-              <a:t>6/19/16</a:t>
+              <a:t>1/8/18</a:t>
             </a:fld>
             <a:endParaRPr lang="en-US"/>
           </a:p>
@@ -1561,7 +1563,7 @@
           <a:p>
             <a:fld id="{12110144-19AD-4D4E-902D-E18AF93089D3}" type="datetimeFigureOut">
               <a:rPr lang="en-US" smtClean="0"/>
-              <a:t>6/19/16</a:t>
+              <a:t>1/8/18</a:t>
             </a:fld>
             <a:endParaRPr lang="en-US"/>
           </a:p>
@@ -1741,7 +1743,7 @@
           <a:p>
             <a:fld id="{12110144-19AD-4D4E-902D-E18AF93089D3}" type="datetimeFigureOut">
               <a:rPr lang="en-US" smtClean="0"/>
-              <a:t>6/19/16</a:t>
+              <a:t>1/8/18</a:t>
             </a:fld>
             <a:endParaRPr lang="en-US"/>
           </a:p>
@@ -1911,7 +1913,7 @@
           <a:p>
             <a:fld id="{12110144-19AD-4D4E-902D-E18AF93089D3}" type="datetimeFigureOut">
               <a:rPr lang="en-US" smtClean="0"/>
-              <a:t>6/19/16</a:t>
+              <a:t>1/8/18</a:t>
             </a:fld>
             <a:endParaRPr lang="en-US"/>
           </a:p>
@@ -2157,7 +2159,7 @@
           <a:p>
             <a:fld id="{12110144-19AD-4D4E-902D-E18AF93089D3}" type="datetimeFigureOut">
               <a:rPr lang="en-US" smtClean="0"/>
-              <a:t>6/19/16</a:t>
+              <a:t>1/8/18</a:t>
             </a:fld>
             <a:endParaRPr lang="en-US"/>
           </a:p>
@@ -2445,7 +2447,7 @@
           <a:p>
             <a:fld id="{12110144-19AD-4D4E-902D-E18AF93089D3}" type="datetimeFigureOut">
               <a:rPr lang="en-US" smtClean="0"/>
-              <a:t>6/19/16</a:t>
+              <a:t>1/8/18</a:t>
             </a:fld>
             <a:endParaRPr lang="en-US"/>
           </a:p>
@@ -2867,7 +2869,7 @@
           <a:p>
             <a:fld id="{12110144-19AD-4D4E-902D-E18AF93089D3}" type="datetimeFigureOut">
               <a:rPr lang="en-US" smtClean="0"/>
-              <a:t>6/19/16</a:t>
+              <a:t>1/8/18</a:t>
             </a:fld>
             <a:endParaRPr lang="en-US"/>
           </a:p>
@@ -2985,7 +2987,7 @@
           <a:p>
             <a:fld id="{12110144-19AD-4D4E-902D-E18AF93089D3}" type="datetimeFigureOut">
               <a:rPr lang="en-US" smtClean="0"/>
-              <a:t>6/19/16</a:t>
+              <a:t>1/8/18</a:t>
             </a:fld>
             <a:endParaRPr lang="en-US"/>
           </a:p>
@@ -3080,7 +3082,7 @@
           <a:p>
             <a:fld id="{12110144-19AD-4D4E-902D-E18AF93089D3}" type="datetimeFigureOut">
               <a:rPr lang="en-US" smtClean="0"/>
-              <a:t>6/19/16</a:t>
+              <a:t>1/8/18</a:t>
             </a:fld>
             <a:endParaRPr lang="en-US"/>
           </a:p>
@@ -3357,7 +3359,7 @@
           <a:p>
             <a:fld id="{12110144-19AD-4D4E-902D-E18AF93089D3}" type="datetimeFigureOut">
               <a:rPr lang="en-US" smtClean="0"/>
-              <a:t>6/19/16</a:t>
+              <a:t>1/8/18</a:t>
             </a:fld>
             <a:endParaRPr lang="en-US"/>
           </a:p>
@@ -3610,7 +3612,7 @@
           <a:p>
             <a:fld id="{12110144-19AD-4D4E-902D-E18AF93089D3}" type="datetimeFigureOut">
               <a:rPr lang="en-US" smtClean="0"/>
-              <a:t>6/19/16</a:t>
+              <a:t>1/8/18</a:t>
             </a:fld>
             <a:endParaRPr lang="en-US"/>
           </a:p>
@@ -3823,7 +3825,7 @@
           <a:p>
             <a:fld id="{12110144-19AD-4D4E-902D-E18AF93089D3}" type="datetimeFigureOut">
               <a:rPr lang="en-US" smtClean="0"/>
-              <a:t>6/19/16</a:t>
+              <a:t>1/8/18</a:t>
             </a:fld>
             <a:endParaRPr lang="en-US"/>
           </a:p>
@@ -4426,7 +4428,7 @@
   <p:timing>
     <p:tnLst>
       <p:par>
-        <p:cTn xmlns:p14="http://schemas.microsoft.com/office/powerpoint/2010/main" id="1" dur="indefinite" restart="never" nodeType="tmRoot"/>
+        <p:cTn id="1" dur="indefinite" restart="never" nodeType="tmRoot"/>
       </p:par>
     </p:tnLst>
   </p:timing>
@@ -4540,15 +4542,7 @@
           <a:p>
             <a:r>
               <a:rPr lang="en-US" dirty="0" smtClean="0"/>
-              <a:t>Mobile devices have interesting sensors: </a:t>
-            </a:r>
-            <a:r>
-              <a:rPr lang="en-US" dirty="0" err="1" smtClean="0"/>
-              <a:t>geolocation</a:t>
-            </a:r>
-            <a:r>
-              <a:rPr lang="en-US" dirty="0" smtClean="0"/>
-              <a:t>, temperature, accelerometers, touch, etc.</a:t>
+              <a:t>Mobile devices have interesting sensors: geolocation, temperature, accelerometers, touch, etc.</a:t>
             </a:r>
           </a:p>
           <a:p>
@@ -4572,7 +4566,7 @@
   <p:timing>
     <p:tnLst>
       <p:par>
-        <p:cTn xmlns:p14="http://schemas.microsoft.com/office/powerpoint/2010/main" id="1" dur="indefinite" restart="never" nodeType="tmRoot"/>
+        <p:cTn id="1" dur="indefinite" restart="never" nodeType="tmRoot"/>
       </p:par>
     </p:tnLst>
   </p:timing>
@@ -4968,7 +4962,7 @@
               <a:rPr lang="en-US" dirty="0" smtClean="0">
                 <a:effectLst/>
               </a:rPr>
-              <a:t>Cross-platform using HTML5 &amp; JavaScript: Apache Cordova (Phone-gap, etc.)</a:t>
+              <a:t>Cross-platform using HTML5 &amp; JavaScript: Apache Cordova (Phone-gap, etc.), React Native, Iconic</a:t>
             </a:r>
           </a:p>
           <a:p>
@@ -4989,13 +4983,8 @@
               <a:rPr lang="en-US" dirty="0" smtClean="0">
                 <a:effectLst/>
               </a:rPr>
-              <a:t>. All code except the UI is portable across Windows, Linux, Mac, iOS, Android, Windows Phone, and Windows RT.</a:t>
-            </a:r>
-          </a:p>
-          <a:p>
-            <a:pPr marL="0" indent="0">
-              <a:buNone/>
-            </a:pPr>
+              <a:t>. All code except the UI is portable across Windows, Linux, Mac, iOS, and Android</a:t>
+            </a:r>
             <a:endParaRPr lang="en-US" dirty="0"/>
           </a:p>
         </p:txBody>
@@ -5130,20 +5119,20 @@
       <p:bgPr>
         <a:gradFill flip="none" rotWithShape="1">
           <a:gsLst>
+            <a:gs pos="52000">
+              <a:schemeClr val="tx2">
+                <a:lumMod val="20000"/>
+                <a:lumOff val="80000"/>
+              </a:schemeClr>
+            </a:gs>
             <a:gs pos="100000">
               <a:schemeClr val="tx2">
                 <a:lumMod val="60000"/>
                 <a:lumOff val="40000"/>
               </a:schemeClr>
             </a:gs>
-            <a:gs pos="55000">
-              <a:schemeClr val="tx2">
-                <a:lumMod val="20000"/>
-                <a:lumOff val="80000"/>
-              </a:schemeClr>
-            </a:gs>
           </a:gsLst>
-          <a:lin ang="5400000" scaled="0"/>
+          <a:lin ang="6000000" scaled="0"/>
           <a:tileRect/>
         </a:gradFill>
         <a:effectLst/>
@@ -5180,24 +5169,9 @@
           </a:bodyPr>
           <a:lstStyle/>
           <a:p>
-            <a:pPr lvl="0"/>
-            <a:r>
-              <a:rPr lang="en-US" dirty="0" smtClean="0">
-                <a:effectLst/>
-              </a:rPr>
-              <a:t>Development Environment for </a:t>
-            </a:r>
-            <a:r>
-              <a:rPr lang="en-US" dirty="0" err="1" smtClean="0">
-                <a:effectLst/>
-              </a:rPr>
-              <a:t>Xamarin</a:t>
-            </a:r>
-            <a:r>
-              <a:rPr lang="en-US" dirty="0" smtClean="0">
-                <a:effectLst/>
-              </a:rPr>
-              <a:t> Android</a:t>
+            <a:r>
+              <a:rPr lang="en-US" dirty="0" smtClean="0"/>
+              <a:t>Certificate in Mobile Application Development</a:t>
             </a:r>
             <a:endParaRPr lang="en-US" dirty="0"/>
           </a:p>
@@ -5215,79 +5189,150 @@
         </p:nvSpPr>
         <p:spPr/>
         <p:txBody>
-          <a:bodyPr/>
-          <a:lstStyle/>
-          <a:p>
-            <a:pPr marL="457200" lvl="1" indent="0">
+          <a:bodyPr>
+            <a:normAutofit fontScale="77500" lnSpcReduction="20000"/>
+          </a:bodyPr>
+          <a:lstStyle/>
+          <a:p>
+            <a:pPr marL="0" indent="0">
               <a:buNone/>
             </a:pPr>
             <a:r>
-              <a:rPr lang="en-US" dirty="0" err="1" smtClean="0">
-                <a:effectLst/>
+              <a:rPr lang="en-US" sz="3800" dirty="0" smtClean="0"/>
+              <a:t>LCC offers a Career Pathway Certificate in Mobile App Development which requires:	</a:t>
+            </a:r>
+          </a:p>
+          <a:p>
+            <a:r>
+              <a:rPr lang="en-US" sz="3800" dirty="0" smtClean="0"/>
+              <a:t>Two terms of a programming language:</a:t>
+            </a:r>
+          </a:p>
+          <a:p>
+            <a:pPr lvl="1"/>
+            <a:r>
+              <a:rPr lang="en-US" sz="3200" dirty="0" smtClean="0"/>
+              <a:t>Beginning and Intermediate C# (CS 133N &amp; 233N)</a:t>
+            </a:r>
+          </a:p>
+          <a:p>
+            <a:pPr lvl="1"/>
+            <a:r>
+              <a:rPr lang="en-US" sz="3200" dirty="0" smtClean="0"/>
+              <a:t>Beginning and Intermediate Java (CS 161J &amp; 162J)</a:t>
+            </a:r>
+          </a:p>
+          <a:p>
+            <a:pPr lvl="1"/>
+            <a:r>
+              <a:rPr lang="en-US" sz="3200" dirty="0" smtClean="0"/>
+              <a:t>Beginning and Intermediate C++ (CS 161C+ &amp; 162C+)</a:t>
+            </a:r>
+          </a:p>
+          <a:p>
+            <a:r>
+              <a:rPr lang="en-US" sz="3800" dirty="0" smtClean="0"/>
+              <a:t>Intermediate Mobile App </a:t>
+            </a:r>
+            <a:r>
+              <a:rPr lang="en-US" sz="3800" dirty="0" err="1" smtClean="0"/>
+              <a:t>Dev</a:t>
+            </a:r>
+            <a:r>
+              <a:rPr lang="en-US" sz="3800" dirty="0" smtClean="0"/>
+              <a:t>: </a:t>
+            </a:r>
+            <a:r>
+              <a:rPr lang="en-US" sz="3800" dirty="0" err="1" smtClean="0"/>
+              <a:t>iOS</a:t>
+            </a:r>
+            <a:r>
+              <a:rPr lang="en-US" sz="3800" dirty="0" smtClean="0"/>
+              <a:t> (CS 235IM)</a:t>
+            </a:r>
+          </a:p>
+          <a:p>
+            <a:r>
+              <a:rPr lang="en-US" sz="3800" dirty="0" smtClean="0"/>
+              <a:t>Intermediate Mobile App </a:t>
+            </a:r>
+            <a:r>
+              <a:rPr lang="en-US" sz="3800" dirty="0" err="1" smtClean="0"/>
+              <a:t>Dev</a:t>
+            </a:r>
+            <a:r>
+              <a:rPr lang="en-US" sz="3800" dirty="0" smtClean="0"/>
+              <a:t>: Android (CS 235AM)</a:t>
+            </a:r>
+          </a:p>
+          <a:p>
+            <a:pPr marL="0" indent="0">
+              <a:buNone/>
+            </a:pPr>
+            <a:endParaRPr lang="en-US" dirty="0"/>
+          </a:p>
+          <a:p>
+            <a:pPr marL="0" indent="0">
+              <a:buNone/>
+            </a:pPr>
+            <a:r>
+              <a:rPr lang="en-US" sz="2300" dirty="0" smtClean="0"/>
+              <a:t>Career Pathways web </a:t>
+            </a:r>
+            <a:r>
+              <a:rPr lang="en-US" sz="2300" dirty="0"/>
+              <a:t>page: </a:t>
+            </a:r>
+            <a:r>
+              <a:rPr lang="en-US" sz="2300" dirty="0" smtClean="0">
+                <a:hlinkClick r:id="rId2"/>
               </a:rPr>
-              <a:t>Xamarin</a:t>
-            </a:r>
-            <a:r>
-              <a:rPr lang="en-US" dirty="0" smtClean="0">
-                <a:effectLst/>
+              <a:t>http</a:t>
+            </a:r>
+            <a:r>
+              <a:rPr lang="en-US" sz="2300" dirty="0">
+                <a:hlinkClick r:id="rId2"/>
               </a:rPr>
-              <a:t> Studio or Visual Studio</a:t>
-            </a:r>
-          </a:p>
-          <a:p>
-            <a:pPr lvl="2"/>
-            <a:r>
-              <a:rPr lang="en-US" dirty="0" smtClean="0">
-                <a:effectLst/>
+              <a:t>://</a:t>
+            </a:r>
+            <a:r>
+              <a:rPr lang="en-US" sz="2300" dirty="0" err="1">
+                <a:hlinkClick r:id="rId2"/>
               </a:rPr>
-              <a:t>Based on </a:t>
-            </a:r>
-            <a:r>
-              <a:rPr lang="en-US" dirty="0" err="1" smtClean="0">
-                <a:effectLst/>
+              <a:t>oregon.ctepathways.org</a:t>
+            </a:r>
+            <a:r>
+              <a:rPr lang="en-US" sz="2300" dirty="0">
+                <a:hlinkClick r:id="rId2"/>
               </a:rPr>
-              <a:t>MonoDevelop</a:t>
-            </a:r>
-            <a:r>
-              <a:rPr lang="en-US" dirty="0" smtClean="0">
-                <a:effectLst/>
+              <a:t>/c/post/2338/</a:t>
+            </a:r>
+            <a:r>
+              <a:rPr lang="en-US" sz="2300" dirty="0" err="1">
+                <a:hlinkClick r:id="rId2"/>
               </a:rPr>
-              <a:t> (Windows, Linux, OS-X)</a:t>
-            </a:r>
-          </a:p>
-          <a:p>
-            <a:pPr lvl="2"/>
-            <a:r>
-              <a:rPr lang="en-US" dirty="0" smtClean="0">
-                <a:effectLst/>
+              <a:t>lcc</a:t>
+            </a:r>
+            <a:r>
+              <a:rPr lang="en-US" sz="2300" dirty="0">
+                <a:hlinkClick r:id="rId2"/>
               </a:rPr>
-              <a:t>Uses Mono framework, Open-source port of .NET</a:t>
-            </a:r>
-          </a:p>
-          <a:p>
-            <a:pPr lvl="2"/>
-            <a:r>
-              <a:rPr lang="en-US" dirty="0" err="1" smtClean="0">
-                <a:effectLst/>
+              <a:t>-mobile-application-development-career-</a:t>
+            </a:r>
+            <a:r>
+              <a:rPr lang="en-US" sz="2300" dirty="0" err="1">
+                <a:hlinkClick r:id="rId2"/>
               </a:rPr>
-              <a:t>Xamarin.Android</a:t>
-            </a:r>
-            <a:r>
-              <a:rPr lang="en-US" dirty="0" smtClean="0">
-                <a:effectLst/>
-              </a:rPr>
-              <a:t> required</a:t>
-            </a:r>
-          </a:p>
-          <a:p>
-            <a:endParaRPr lang="en-US" dirty="0"/>
+              <a:t>pathway.html</a:t>
+            </a:r>
+            <a:endParaRPr lang="en-US" sz="2300" dirty="0"/>
           </a:p>
         </p:txBody>
       </p:sp>
     </p:spTree>
     <p:extLst>
       <p:ext uri="{BB962C8B-B14F-4D97-AF65-F5344CB8AC3E}">
-        <p14:creationId xmlns:p14="http://schemas.microsoft.com/office/powerpoint/2010/main" val="2501614409"/>
+        <p14:creationId xmlns:p14="http://schemas.microsoft.com/office/powerpoint/2010/main" val="704736653"/>
       </p:ext>
     </p:extLst>
   </p:cSld>
@@ -5304,20 +5349,20 @@
       <p:bgPr>
         <a:gradFill flip="none" rotWithShape="1">
           <a:gsLst>
+            <a:gs pos="52000">
+              <a:schemeClr val="tx2">
+                <a:lumMod val="20000"/>
+                <a:lumOff val="80000"/>
+              </a:schemeClr>
+            </a:gs>
             <a:gs pos="100000">
               <a:schemeClr val="tx2">
                 <a:lumMod val="60000"/>
                 <a:lumOff val="40000"/>
               </a:schemeClr>
             </a:gs>
-            <a:gs pos="55000">
-              <a:schemeClr val="tx2">
-                <a:lumMod val="20000"/>
-                <a:lumOff val="80000"/>
-              </a:schemeClr>
-            </a:gs>
           </a:gsLst>
-          <a:lin ang="5400000" scaled="0"/>
+          <a:lin ang="6000000" scaled="0"/>
           <a:tileRect/>
         </a:gradFill>
         <a:effectLst/>
@@ -5354,212 +5399,70 @@
           </a:bodyPr>
           <a:lstStyle/>
           <a:p>
-            <a:pPr lvl="1" algn="ctr" defTabSz="457200" rtl="0">
-              <a:spcBef>
-                <a:spcPct val="0"/>
-              </a:spcBef>
+            <a:r>
+              <a:rPr lang="en-US" dirty="0" smtClean="0"/>
+              <a:t>Degree Elective Requirements</a:t>
+            </a:r>
+            <a:endParaRPr lang="en-US" dirty="0"/>
+          </a:p>
+        </p:txBody>
+      </p:sp>
+      <p:sp>
+        <p:nvSpPr>
+          <p:cNvPr id="3" name="Content Placeholder 2"/>
+          <p:cNvSpPr>
+            <a:spLocks noGrp="1"/>
+          </p:cNvSpPr>
+          <p:nvPr>
+            <p:ph idx="1"/>
+          </p:nvPr>
+        </p:nvSpPr>
+        <p:spPr/>
+        <p:txBody>
+          <a:bodyPr>
+            <a:normAutofit/>
+          </a:bodyPr>
+          <a:lstStyle/>
+          <a:p>
+            <a:pPr marL="0" indent="0">
+              <a:buNone/>
             </a:pPr>
             <a:r>
-              <a:rPr lang="en-US" sz="3600" dirty="0"/>
-              <a:t>T</a:t>
-            </a:r>
-            <a:r>
-              <a:rPr lang="en-US" sz="3600" dirty="0" smtClean="0">
-                <a:effectLst/>
-              </a:rPr>
-              <a:t>esting and Emulators for Android</a:t>
-            </a:r>
-            <a:endParaRPr lang="en-US" sz="3600" dirty="0"/>
-          </a:p>
-        </p:txBody>
-      </p:sp>
-      <p:sp>
-        <p:nvSpPr>
-          <p:cNvPr id="3" name="Content Placeholder 2"/>
-          <p:cNvSpPr>
-            <a:spLocks noGrp="1"/>
-          </p:cNvSpPr>
-          <p:nvPr>
-            <p:ph idx="1"/>
-          </p:nvPr>
-        </p:nvSpPr>
-        <p:spPr/>
-        <p:txBody>
-          <a:bodyPr>
-            <a:normAutofit fontScale="62500" lnSpcReduction="20000"/>
-          </a:bodyPr>
-          <a:lstStyle/>
-          <a:p>
-            <a:r>
-              <a:rPr lang="en-US" dirty="0" smtClean="0">
-                <a:effectLst/>
-              </a:rPr>
-              <a:t>Android Debug Bridge (part of the Android SDK)</a:t>
-            </a:r>
-            <a:endParaRPr lang="en-US" dirty="0"/>
-          </a:p>
-          <a:p>
-            <a:pPr lvl="1"/>
-            <a:r>
-              <a:rPr lang="en-US" dirty="0" smtClean="0"/>
-              <a:t>Connects the IDE to a device or Emulator</a:t>
-            </a:r>
-          </a:p>
-          <a:p>
-            <a:r>
-              <a:rPr lang="en-US" dirty="0" smtClean="0">
-                <a:effectLst/>
-              </a:rPr>
-              <a:t>Google Emulator (part of the Android SDK)</a:t>
-            </a:r>
-          </a:p>
-          <a:p>
-            <a:pPr lvl="1"/>
-            <a:r>
-              <a:rPr lang="en-US" dirty="0" smtClean="0"/>
-              <a:t>Notoriously slow</a:t>
-            </a:r>
-            <a:endParaRPr lang="en-US" dirty="0" smtClean="0">
-              <a:effectLst/>
-            </a:endParaRPr>
-          </a:p>
-          <a:p>
-            <a:r>
-              <a:rPr lang="en-US" dirty="0" smtClean="0">
-                <a:effectLst/>
-              </a:rPr>
-              <a:t>Intel </a:t>
-            </a:r>
-            <a:r>
-              <a:rPr lang="en-US" dirty="0" err="1" smtClean="0">
-                <a:effectLst/>
-              </a:rPr>
-              <a:t>Haxm</a:t>
-            </a:r>
-            <a:endParaRPr lang="en-US" dirty="0" smtClean="0"/>
-          </a:p>
-          <a:p>
-            <a:pPr lvl="1"/>
-            <a:r>
-              <a:rPr lang="en-US" dirty="0" smtClean="0"/>
-              <a:t>Downloadable via the Android SDK Manager</a:t>
-            </a:r>
-            <a:endParaRPr lang="en-US" dirty="0" smtClean="0">
-              <a:effectLst/>
-            </a:endParaRPr>
-          </a:p>
-          <a:p>
-            <a:r>
-              <a:rPr lang="en-US" dirty="0" err="1" smtClean="0">
-                <a:effectLst/>
-              </a:rPr>
-              <a:t>GenyMotion</a:t>
-            </a:r>
-            <a:endParaRPr lang="en-US" dirty="0" smtClean="0">
-              <a:effectLst/>
-            </a:endParaRPr>
-          </a:p>
-          <a:p>
-            <a:pPr lvl="1"/>
-            <a:r>
-              <a:rPr lang="en-US" dirty="0">
-                <a:hlinkClick r:id="rId2"/>
-              </a:rPr>
-              <a:t>https://www.genymotion.com/pricing-and-</a:t>
-            </a:r>
-            <a:r>
-              <a:rPr lang="en-US" dirty="0" smtClean="0">
-                <a:hlinkClick r:id="rId2"/>
-              </a:rPr>
-              <a:t>licensing</a:t>
-            </a:r>
-            <a:r>
-              <a:rPr lang="en-US" dirty="0" smtClean="0"/>
-              <a:t> </a:t>
-            </a:r>
-            <a:endParaRPr lang="en-US" dirty="0"/>
-          </a:p>
-          <a:p>
-            <a:pPr lvl="1"/>
-            <a:r>
-              <a:rPr lang="en-US" dirty="0" smtClean="0">
-                <a:effectLst/>
-              </a:rPr>
-              <a:t>The Individual, Basic plan is free</a:t>
-            </a:r>
-          </a:p>
-          <a:p>
-            <a:r>
-              <a:rPr lang="en-US" dirty="0" err="1" smtClean="0"/>
-              <a:t>Xamarin</a:t>
-            </a:r>
-            <a:r>
-              <a:rPr lang="en-US" dirty="0" smtClean="0"/>
-              <a:t> Emulator (preview)</a:t>
-            </a:r>
-          </a:p>
-          <a:p>
-            <a:pPr lvl="1"/>
-            <a:r>
-              <a:rPr lang="en-US" dirty="0" smtClean="0">
-                <a:hlinkClick r:id="rId3"/>
-              </a:rPr>
-              <a:t>https</a:t>
-            </a:r>
-            <a:r>
-              <a:rPr lang="en-US" dirty="0">
-                <a:hlinkClick r:id="rId3"/>
-              </a:rPr>
-              <a:t>://www.xamarin.com/android-player</a:t>
-            </a:r>
-            <a:endParaRPr lang="en-US" dirty="0" smtClean="0">
-              <a:effectLst/>
-            </a:endParaRPr>
-          </a:p>
-          <a:p>
-            <a:r>
-              <a:rPr lang="en-US" dirty="0" smtClean="0">
-                <a:effectLst/>
-              </a:rPr>
-              <a:t>Visual Studio </a:t>
-            </a:r>
-            <a:r>
-              <a:rPr lang="en-US" dirty="0"/>
-              <a:t>Android Emulator </a:t>
-            </a:r>
-            <a:endParaRPr lang="en-US" dirty="0" smtClean="0"/>
-          </a:p>
-          <a:p>
-            <a:pPr lvl="1"/>
-            <a:r>
-              <a:rPr lang="en-US" dirty="0" smtClean="0"/>
-              <a:t>https</a:t>
-            </a:r>
-            <a:r>
-              <a:rPr lang="en-US" dirty="0"/>
-              <a:t>://www.visualstudio.com/en-us/features/msft-android-emulator-vs.aspx</a:t>
-            </a:r>
-            <a:endParaRPr lang="en-US" dirty="0" smtClean="0">
-              <a:effectLst/>
-            </a:endParaRPr>
-          </a:p>
-          <a:p>
-            <a:r>
-              <a:rPr lang="en-US" dirty="0" smtClean="0">
-                <a:effectLst/>
-              </a:rPr>
-              <a:t>Actual Android device</a:t>
-            </a:r>
-          </a:p>
-          <a:p>
-            <a:endParaRPr lang="en-US" dirty="0"/>
+              <a:rPr lang="en-US" sz="3800" dirty="0" smtClean="0"/>
+              <a:t>This course (CS235AM) satisfies </a:t>
+            </a:r>
+            <a:r>
+              <a:rPr lang="en-US" sz="3800" smtClean="0"/>
+              <a:t>a </a:t>
+            </a:r>
+            <a:r>
+              <a:rPr lang="en-US" sz="3600" smtClean="0"/>
+              <a:t>directed </a:t>
+            </a:r>
+            <a:r>
+              <a:rPr lang="en-US" sz="3800" dirty="0" smtClean="0"/>
+              <a:t>elective requirement for following degrees:	</a:t>
+            </a:r>
+          </a:p>
+          <a:p>
+            <a:r>
+              <a:rPr lang="en-US" sz="3800" dirty="0" smtClean="0"/>
+              <a:t>Computer Programming</a:t>
+            </a:r>
+          </a:p>
+          <a:p>
+            <a:r>
+              <a:rPr lang="en-US" sz="3800" dirty="0" smtClean="0"/>
+              <a:t>Computer Simulation and Game Development?</a:t>
+            </a:r>
+            <a:endParaRPr lang="en-US" sz="3200" dirty="0" smtClean="0"/>
           </a:p>
         </p:txBody>
       </p:sp>
     </p:spTree>
     <p:extLst>
       <p:ext uri="{BB962C8B-B14F-4D97-AF65-F5344CB8AC3E}">
-        <p14:creationId xmlns:p14="http://schemas.microsoft.com/office/powerpoint/2010/main" val="3945486358"/>
+        <p14:creationId xmlns:p14="http://schemas.microsoft.com/office/powerpoint/2010/main" val="2733823311"/>
       </p:ext>
     </p:extLst>
   </p:cSld>
@@ -5619,16 +5522,21 @@
             <p:ph type="title"/>
           </p:nvPr>
         </p:nvSpPr>
-        <p:spPr/>
+        <p:spPr>
+          <a:xfrm>
+            <a:off x="457200" y="274638"/>
+            <a:ext cx="8229600" cy="960438"/>
+          </a:xfrm>
+        </p:spPr>
         <p:txBody>
           <a:bodyPr>
-            <a:normAutofit fontScale="90000"/>
+            <a:normAutofit/>
           </a:bodyPr>
           <a:lstStyle/>
           <a:p>
             <a:r>
               <a:rPr lang="en-US" dirty="0" smtClean="0"/>
-              <a:t>Certificate in Mobile Application Development</a:t>
+              <a:t>Android Versions</a:t>
             </a:r>
             <a:endParaRPr lang="en-US" dirty="0"/>
           </a:p>
@@ -5644,10 +5552,15 @@
             <p:ph idx="1"/>
           </p:nvPr>
         </p:nvSpPr>
-        <p:spPr/>
+        <p:spPr>
+          <a:xfrm>
+            <a:off x="457200" y="1417639"/>
+            <a:ext cx="8229600" cy="1797050"/>
+          </a:xfrm>
+        </p:spPr>
         <p:txBody>
           <a:bodyPr>
-            <a:normAutofit fontScale="77500" lnSpcReduction="20000"/>
+            <a:normAutofit lnSpcReduction="10000"/>
           </a:bodyPr>
           <a:lstStyle/>
           <a:p>
@@ -5656,126 +5569,144 @@
             </a:pPr>
             <a:r>
               <a:rPr lang="en-US" sz="3800" dirty="0" smtClean="0"/>
-              <a:t>LCC offers a Career Pathway Certificate in Mobile App Development which requires:	</a:t>
-            </a:r>
-          </a:p>
-          <a:p>
-            <a:r>
-              <a:rPr lang="en-US" sz="3800" dirty="0" smtClean="0"/>
-              <a:t>Two terms of a programming language:</a:t>
-            </a:r>
-          </a:p>
-          <a:p>
-            <a:pPr lvl="1"/>
-            <a:r>
-              <a:rPr lang="en-US" sz="3200" dirty="0" smtClean="0"/>
-              <a:t>Beginning and Intermediate C# (CS 133N &amp; 233N)</a:t>
-            </a:r>
-          </a:p>
-          <a:p>
-            <a:pPr lvl="1"/>
-            <a:r>
-              <a:rPr lang="en-US" sz="3200" dirty="0" smtClean="0"/>
-              <a:t>Beginning and Intermediate Java (CS 161J &amp; 162J)</a:t>
-            </a:r>
-          </a:p>
-          <a:p>
-            <a:pPr lvl="1"/>
-            <a:r>
-              <a:rPr lang="en-US" sz="3200" dirty="0" smtClean="0"/>
-              <a:t>Beginning and Intermediate C++ (CS 161C+ &amp; 162C+)</a:t>
-            </a:r>
-          </a:p>
-          <a:p>
-            <a:r>
-              <a:rPr lang="en-US" sz="3800" dirty="0" smtClean="0"/>
-              <a:t>Intermediate Mobile App </a:t>
-            </a:r>
-            <a:r>
-              <a:rPr lang="en-US" sz="3800" dirty="0" err="1" smtClean="0"/>
-              <a:t>Dev</a:t>
-            </a:r>
-            <a:r>
-              <a:rPr lang="en-US" sz="3800" dirty="0" smtClean="0"/>
-              <a:t>: </a:t>
-            </a:r>
-            <a:r>
-              <a:rPr lang="en-US" sz="3800" dirty="0" err="1" smtClean="0"/>
-              <a:t>iOS</a:t>
-            </a:r>
-            <a:r>
-              <a:rPr lang="en-US" sz="3800" dirty="0" smtClean="0"/>
-              <a:t> (CS 235IM)</a:t>
-            </a:r>
-          </a:p>
-          <a:p>
-            <a:r>
-              <a:rPr lang="en-US" sz="3800" dirty="0" smtClean="0"/>
-              <a:t>Intermediate Mobile App </a:t>
-            </a:r>
-            <a:r>
-              <a:rPr lang="en-US" sz="3800" dirty="0" err="1" smtClean="0"/>
-              <a:t>Dev</a:t>
-            </a:r>
-            <a:r>
-              <a:rPr lang="en-US" sz="3800" dirty="0" smtClean="0"/>
-              <a:t>: Android (CS 235AM)</a:t>
+              <a:t>Android Versions are named after deserts. The latest version is Oreo</a:t>
             </a:r>
           </a:p>
           <a:p>
             <a:pPr marL="0" indent="0">
               <a:buNone/>
             </a:pPr>
-            <a:endParaRPr lang="en-US" dirty="0"/>
-          </a:p>
-          <a:p>
-            <a:pPr marL="0" indent="0">
-              <a:buNone/>
+            <a:r>
+              <a:rPr lang="en-US" dirty="0" smtClean="0"/>
+              <a:t>New Features introduced in Oreo:</a:t>
+            </a:r>
+          </a:p>
+          <a:p>
+            <a:pPr lvl="1"/>
+            <a:endParaRPr lang="en-US" sz="2800" dirty="0" smtClean="0"/>
+          </a:p>
+        </p:txBody>
+      </p:sp>
+      <p:pic>
+        <p:nvPicPr>
+          <p:cNvPr id="4" name="Picture 3"/>
+          <p:cNvPicPr>
+            <a:picLocks noChangeAspect="1"/>
+          </p:cNvPicPr>
+          <p:nvPr/>
+        </p:nvPicPr>
+        <p:blipFill>
+          <a:blip r:embed="rId2">
+            <a:extLst>
+              <a:ext uri="{28A0092B-C50C-407E-A947-70E740481C1C}">
+                <a14:useLocalDpi xmlns:a14="http://schemas.microsoft.com/office/drawing/2010/main" val="0"/>
+              </a:ext>
+            </a:extLst>
+          </a:blip>
+          <a:stretch>
+            <a:fillRect/>
+          </a:stretch>
+        </p:blipFill>
+        <p:spPr>
+          <a:xfrm>
+            <a:off x="139849" y="4223396"/>
+            <a:ext cx="1600648" cy="2465169"/>
+          </a:xfrm>
+          <a:prstGeom prst="rect">
+            <a:avLst/>
+          </a:prstGeom>
+        </p:spPr>
+      </p:pic>
+      <p:sp>
+        <p:nvSpPr>
+          <p:cNvPr id="7" name="TextBox 6"/>
+          <p:cNvSpPr txBox="1"/>
+          <p:nvPr/>
+        </p:nvSpPr>
+        <p:spPr>
+          <a:xfrm>
+            <a:off x="2214563" y="3214689"/>
+            <a:ext cx="6472237" cy="2677656"/>
+          </a:xfrm>
+          <a:prstGeom prst="rect">
+            <a:avLst/>
+          </a:prstGeom>
+          <a:noFill/>
+        </p:spPr>
+        <p:txBody>
+          <a:bodyPr wrap="square" rtlCol="0">
+            <a:spAutoFit/>
+          </a:bodyPr>
+          <a:lstStyle/>
+          <a:p>
+            <a:pPr marL="285750" indent="-285750">
+              <a:buFont typeface="Arial" charset="0"/>
+              <a:buChar char="•"/>
             </a:pPr>
             <a:r>
-              <a:rPr lang="en-US" sz="2300" dirty="0" smtClean="0"/>
-              <a:t>Career Pathways web </a:t>
-            </a:r>
-            <a:r>
-              <a:rPr lang="en-US" sz="2300" dirty="0"/>
-              <a:t>page: </a:t>
-            </a:r>
-            <a:r>
-              <a:rPr lang="en-US" sz="2300" dirty="0" smtClean="0"/>
-              <a:t>http</a:t>
-            </a:r>
-            <a:r>
-              <a:rPr lang="en-US" sz="2300" dirty="0"/>
-              <a:t>://</a:t>
-            </a:r>
-            <a:r>
-              <a:rPr lang="en-US" sz="2300" dirty="0" err="1"/>
-              <a:t>oregon.ctepathways.org</a:t>
-            </a:r>
-            <a:r>
-              <a:rPr lang="en-US" sz="2300" dirty="0"/>
-              <a:t>/c/post/2338/</a:t>
-            </a:r>
-            <a:r>
-              <a:rPr lang="en-US" sz="2300" dirty="0" err="1"/>
-              <a:t>lcc</a:t>
-            </a:r>
-            <a:r>
-              <a:rPr lang="en-US" sz="2300" dirty="0"/>
-              <a:t>-mobile-application-development-career-</a:t>
-            </a:r>
-            <a:r>
-              <a:rPr lang="en-US" sz="2300" dirty="0" err="1"/>
-              <a:t>pathway.html</a:t>
-            </a:r>
-            <a:endParaRPr lang="en-US" sz="2300" dirty="0"/>
+              <a:rPr lang="en-US" sz="2800" dirty="0" smtClean="0"/>
+              <a:t>Picture-in-a picture </a:t>
+            </a:r>
+            <a:r>
+              <a:rPr lang="mr-IN" sz="2800" dirty="0" smtClean="0"/>
+              <a:t>–</a:t>
+            </a:r>
+            <a:r>
+              <a:rPr lang="en-US" sz="2800" dirty="0" smtClean="0"/>
+              <a:t> a small version of a video is show while using other apps</a:t>
+            </a:r>
+          </a:p>
+          <a:p>
+            <a:pPr marL="285750" indent="-285750">
+              <a:buFont typeface="Arial" charset="0"/>
+              <a:buChar char="•"/>
+            </a:pPr>
+            <a:r>
+              <a:rPr lang="en-US" sz="2800" dirty="0" smtClean="0"/>
+              <a:t>Notification dots on icons</a:t>
+            </a:r>
+          </a:p>
+          <a:p>
+            <a:pPr marL="285750" indent="-285750">
+              <a:buFont typeface="Arial" charset="0"/>
+              <a:buChar char="•"/>
+            </a:pPr>
+            <a:r>
+              <a:rPr lang="en-US" sz="2800" dirty="0" smtClean="0"/>
+              <a:t>Improved security</a:t>
+            </a:r>
+          </a:p>
+          <a:p>
+            <a:pPr marL="285750" indent="-285750">
+              <a:buFont typeface="Arial" charset="0"/>
+              <a:buChar char="•"/>
+            </a:pPr>
+            <a:r>
+              <a:rPr lang="en-US" sz="2800" dirty="0" smtClean="0"/>
+              <a:t>New Emojis</a:t>
+            </a:r>
+          </a:p>
+          <a:p>
+            <a:pPr marL="285750" indent="-285750">
+              <a:buFont typeface="Arial" charset="0"/>
+              <a:buChar char="•"/>
+            </a:pPr>
+            <a:r>
+              <a:rPr lang="en-US" sz="2800" dirty="0"/>
+              <a:t>U</a:t>
+            </a:r>
+            <a:r>
+              <a:rPr lang="en-US" sz="2800" dirty="0" smtClean="0"/>
+              <a:t>X (User eXperience) enhancements</a:t>
+            </a:r>
+            <a:endParaRPr lang="en-US" sz="2800" dirty="0"/>
           </a:p>
         </p:txBody>
       </p:sp>
     </p:spTree>
     <p:extLst>
       <p:ext uri="{BB962C8B-B14F-4D97-AF65-F5344CB8AC3E}">
-        <p14:creationId xmlns:p14="http://schemas.microsoft.com/office/powerpoint/2010/main" val="704736653"/>
+        <p14:creationId xmlns:p14="http://schemas.microsoft.com/office/powerpoint/2010/main" val="428447115"/>
       </p:ext>
     </p:extLst>
   </p:cSld>
@@ -5835,7 +5766,12 @@
             <p:ph type="title"/>
           </p:nvPr>
         </p:nvSpPr>
-        <p:spPr/>
+        <p:spPr>
+          <a:xfrm>
+            <a:off x="457200" y="274638"/>
+            <a:ext cx="8229600" cy="911225"/>
+          </a:xfrm>
+        </p:spPr>
         <p:txBody>
           <a:bodyPr>
             <a:normAutofit/>
@@ -5844,7 +5780,7 @@
           <a:p>
             <a:r>
               <a:rPr lang="en-US" dirty="0" smtClean="0"/>
-              <a:t>Degree Elective Requirements</a:t>
+              <a:t>Android Versions and API Levels</a:t>
             </a:r>
             <a:endParaRPr lang="en-US" dirty="0"/>
           </a:p>
@@ -5860,10 +5796,15 @@
             <p:ph idx="1"/>
           </p:nvPr>
         </p:nvSpPr>
-        <p:spPr/>
+        <p:spPr>
+          <a:xfrm>
+            <a:off x="457200" y="1314450"/>
+            <a:ext cx="8229600" cy="5086350"/>
+          </a:xfrm>
+        </p:spPr>
         <p:txBody>
           <a:bodyPr>
-            <a:normAutofit/>
+            <a:normAutofit fontScale="47500" lnSpcReduction="20000"/>
           </a:bodyPr>
           <a:lstStyle/>
           <a:p>
@@ -5871,41 +5812,241 @@
               <a:buNone/>
             </a:pPr>
             <a:r>
-              <a:rPr lang="en-US" sz="3800" dirty="0" smtClean="0"/>
-              <a:t>This course (CS235AM) satisfies </a:t>
-            </a:r>
-            <a:r>
-              <a:rPr lang="en-US" sz="3800" smtClean="0"/>
-              <a:t>a </a:t>
-            </a:r>
-            <a:r>
-              <a:rPr lang="en-US" sz="3600" smtClean="0"/>
-              <a:t>directed </a:t>
-            </a:r>
-            <a:r>
-              <a:rPr lang="en-US" sz="3800" dirty="0" smtClean="0"/>
-              <a:t>elective requirement for following degrees:	</a:t>
-            </a:r>
-          </a:p>
-          <a:p>
-            <a:r>
-              <a:rPr lang="en-US" sz="3800" dirty="0" smtClean="0"/>
-              <a:t>Computer Programming</a:t>
-            </a:r>
-          </a:p>
-          <a:p>
-            <a:r>
-              <a:rPr lang="en-US" sz="3800" dirty="0" smtClean="0"/>
-              <a:t>Computer Simulation and Game Development?</a:t>
-            </a:r>
-            <a:endParaRPr lang="en-US" sz="3200" dirty="0" smtClean="0"/>
+              <a:rPr lang="en-US" sz="5900" dirty="0" smtClean="0"/>
+              <a:t>There are version names, numbers and API levels</a:t>
+            </a:r>
+          </a:p>
+          <a:p>
+            <a:r>
+              <a:rPr lang="en-US" sz="5100" b="1" dirty="0"/>
+              <a:t>API 27 (Android 8.1)</a:t>
+            </a:r>
+            <a:r>
+              <a:rPr lang="en-US" sz="5100" dirty="0"/>
+              <a:t> – </a:t>
+            </a:r>
+            <a:r>
+              <a:rPr lang="en-US" sz="5100" i="1" dirty="0"/>
+              <a:t>Oreo</a:t>
+            </a:r>
+            <a:r>
+              <a:rPr lang="en-US" sz="5100" dirty="0"/>
+              <a:t>, released December 2017. </a:t>
+            </a:r>
+            <a:endParaRPr lang="en-US" sz="5100" dirty="0" smtClean="0"/>
+          </a:p>
+          <a:p>
+            <a:r>
+              <a:rPr lang="en-US" sz="5100" b="1" dirty="0" smtClean="0"/>
+              <a:t>API </a:t>
+            </a:r>
+            <a:r>
+              <a:rPr lang="en-US" sz="5100" b="1" dirty="0"/>
+              <a:t>26 (Android 8.0)</a:t>
+            </a:r>
+            <a:r>
+              <a:rPr lang="en-US" sz="5100" dirty="0"/>
+              <a:t> – </a:t>
+            </a:r>
+            <a:r>
+              <a:rPr lang="en-US" sz="5100" i="1" dirty="0"/>
+              <a:t>Oreo</a:t>
+            </a:r>
+            <a:r>
+              <a:rPr lang="en-US" sz="5100" dirty="0"/>
+              <a:t>, released August 2017. </a:t>
+            </a:r>
+            <a:endParaRPr lang="en-US" sz="5100" dirty="0" smtClean="0"/>
+          </a:p>
+          <a:p>
+            <a:r>
+              <a:rPr lang="en-US" sz="5100" b="1" dirty="0" smtClean="0"/>
+              <a:t>API </a:t>
+            </a:r>
+            <a:r>
+              <a:rPr lang="en-US" sz="5100" b="1" dirty="0"/>
+              <a:t>25 (Android 7.1)</a:t>
+            </a:r>
+            <a:r>
+              <a:rPr lang="en-US" sz="5100" dirty="0"/>
+              <a:t> – </a:t>
+            </a:r>
+            <a:r>
+              <a:rPr lang="en-US" sz="5100" i="1" dirty="0"/>
+              <a:t>Nougat</a:t>
+            </a:r>
+            <a:r>
+              <a:rPr lang="en-US" sz="5100" dirty="0"/>
+              <a:t>, released December 2016. </a:t>
+            </a:r>
+            <a:endParaRPr lang="en-US" sz="5100" dirty="0" smtClean="0"/>
+          </a:p>
+          <a:p>
+            <a:r>
+              <a:rPr lang="en-US" sz="5100" b="1" dirty="0" smtClean="0"/>
+              <a:t>API </a:t>
+            </a:r>
+            <a:r>
+              <a:rPr lang="en-US" sz="5100" b="1" dirty="0"/>
+              <a:t>24 (Android 7.0)</a:t>
+            </a:r>
+            <a:r>
+              <a:rPr lang="en-US" sz="5100" dirty="0"/>
+              <a:t> – </a:t>
+            </a:r>
+            <a:r>
+              <a:rPr lang="en-US" sz="5100" i="1" dirty="0"/>
+              <a:t>Nougat</a:t>
+            </a:r>
+            <a:r>
+              <a:rPr lang="en-US" sz="5100" dirty="0"/>
+              <a:t>, released August 2016. </a:t>
+            </a:r>
+            <a:endParaRPr lang="en-US" sz="5100" dirty="0" smtClean="0"/>
+          </a:p>
+          <a:p>
+            <a:r>
+              <a:rPr lang="en-US" sz="5100" b="1" dirty="0" smtClean="0"/>
+              <a:t>API </a:t>
+            </a:r>
+            <a:r>
+              <a:rPr lang="en-US" sz="5100" b="1" dirty="0"/>
+              <a:t>23 (Android 6.0)</a:t>
+            </a:r>
+            <a:r>
+              <a:rPr lang="en-US" sz="5100" dirty="0"/>
+              <a:t> – </a:t>
+            </a:r>
+            <a:r>
+              <a:rPr lang="en-US" sz="5100" i="1" dirty="0"/>
+              <a:t>Marshmallow</a:t>
+            </a:r>
+            <a:r>
+              <a:rPr lang="en-US" sz="5100" dirty="0"/>
+              <a:t>, released August 2015. </a:t>
+            </a:r>
+            <a:endParaRPr lang="en-US" sz="5100" dirty="0" smtClean="0"/>
+          </a:p>
+          <a:p>
+            <a:r>
+              <a:rPr lang="en-US" sz="5100" b="1" dirty="0" smtClean="0"/>
+              <a:t>API </a:t>
+            </a:r>
+            <a:r>
+              <a:rPr lang="en-US" sz="5100" b="1" dirty="0"/>
+              <a:t>22 (Android 5.1)</a:t>
+            </a:r>
+            <a:r>
+              <a:rPr lang="en-US" sz="5100" dirty="0"/>
+              <a:t> – </a:t>
+            </a:r>
+            <a:r>
+              <a:rPr lang="en-US" sz="5100" i="1" dirty="0"/>
+              <a:t>Lollipop</a:t>
+            </a:r>
+            <a:r>
+              <a:rPr lang="en-US" sz="5100" dirty="0"/>
+              <a:t>, released March 2015. </a:t>
+            </a:r>
+            <a:endParaRPr lang="en-US" sz="5100" dirty="0" smtClean="0"/>
+          </a:p>
+          <a:p>
+            <a:r>
+              <a:rPr lang="en-US" sz="5100" b="1" dirty="0" smtClean="0"/>
+              <a:t>API </a:t>
+            </a:r>
+            <a:r>
+              <a:rPr lang="en-US" sz="5100" b="1" dirty="0"/>
+              <a:t>21 (Android 5.0)</a:t>
+            </a:r>
+            <a:r>
+              <a:rPr lang="en-US" sz="5100" dirty="0"/>
+              <a:t> – </a:t>
+            </a:r>
+            <a:r>
+              <a:rPr lang="en-US" sz="5100" i="1" dirty="0"/>
+              <a:t>Lollipop</a:t>
+            </a:r>
+            <a:r>
+              <a:rPr lang="en-US" sz="5100" dirty="0"/>
+              <a:t>, released November 2014. </a:t>
+            </a:r>
+            <a:endParaRPr lang="en-US" sz="5100" dirty="0" smtClean="0"/>
+          </a:p>
+          <a:p>
+            <a:r>
+              <a:rPr lang="en-US" sz="5100" b="1" dirty="0" smtClean="0"/>
+              <a:t>API </a:t>
+            </a:r>
+            <a:r>
+              <a:rPr lang="en-US" sz="5100" b="1" dirty="0"/>
+              <a:t>20 (Android 4.4W)</a:t>
+            </a:r>
+            <a:r>
+              <a:rPr lang="en-US" sz="5100" dirty="0"/>
+              <a:t> – </a:t>
+            </a:r>
+            <a:r>
+              <a:rPr lang="en-US" sz="5100" i="1" dirty="0"/>
+              <a:t>Kitkat Watch</a:t>
+            </a:r>
+            <a:r>
+              <a:rPr lang="en-US" sz="5100" dirty="0"/>
+              <a:t>, released June 2014. </a:t>
+            </a:r>
+            <a:endParaRPr lang="en-US" sz="5100" dirty="0" smtClean="0"/>
+          </a:p>
+          <a:p>
+            <a:r>
+              <a:rPr lang="en-US" sz="5100" b="1" dirty="0" smtClean="0"/>
+              <a:t>API </a:t>
+            </a:r>
+            <a:r>
+              <a:rPr lang="en-US" sz="5100" b="1" dirty="0"/>
+              <a:t>19 (Android 4.4)</a:t>
+            </a:r>
+            <a:r>
+              <a:rPr lang="en-US" sz="5100" dirty="0"/>
+              <a:t> – </a:t>
+            </a:r>
+            <a:r>
+              <a:rPr lang="en-US" sz="5100" i="1" dirty="0"/>
+              <a:t>Kitkat</a:t>
+            </a:r>
+            <a:r>
+              <a:rPr lang="en-US" sz="5100" dirty="0"/>
+              <a:t>, released October 2013. </a:t>
+            </a:r>
+            <a:endParaRPr lang="en-US" sz="5100" dirty="0" smtClean="0"/>
+          </a:p>
+          <a:p>
+            <a:pPr marL="0" indent="0">
+              <a:buNone/>
+            </a:pPr>
+            <a:r>
+              <a:rPr lang="en-US" sz="3800" dirty="0"/>
+              <a:t>Source: </a:t>
+            </a:r>
+            <a:r>
+              <a:rPr lang="en-US" sz="3800" dirty="0">
+                <a:hlinkClick r:id="rId2"/>
+              </a:rPr>
+              <a:t>https://developer.xamarin.com/guides/android/application_fundamentals/understanding_android_api_levels</a:t>
+            </a:r>
+            <a:r>
+              <a:rPr lang="en-US" sz="3800" dirty="0" smtClean="0">
+                <a:hlinkClick r:id="rId2"/>
+              </a:rPr>
+              <a:t>/</a:t>
+            </a:r>
+            <a:endParaRPr lang="en-US" sz="3800" dirty="0" smtClean="0"/>
           </a:p>
         </p:txBody>
       </p:sp>
     </p:spTree>
     <p:extLst>
       <p:ext uri="{BB962C8B-B14F-4D97-AF65-F5344CB8AC3E}">
-        <p14:creationId xmlns:p14="http://schemas.microsoft.com/office/powerpoint/2010/main" val="2733823311"/>
+        <p14:creationId xmlns:p14="http://schemas.microsoft.com/office/powerpoint/2010/main" val="1475368119"/>
       </p:ext>
     </p:extLst>
   </p:cSld>
@@ -5995,7 +6136,7 @@
         </p:nvGraphicFramePr>
         <p:xfrm>
           <a:off x="457200" y="1600200"/>
-          <a:ext cx="3811200" cy="4299243"/>
+          <a:ext cx="3811200" cy="4299244"/>
         </p:xfrm>
         <a:graphic>
           <a:graphicData uri="http://schemas.openxmlformats.org/drawingml/2006/table">
@@ -6606,6 +6747,470 @@
 </p:sld>
 </file>
 
+<file path=ppt/slides/slide20.xml><?xml version="1.0" encoding="utf-8"?>
+<p:sld xmlns:a="http://schemas.openxmlformats.org/drawingml/2006/main" xmlns:r="http://schemas.openxmlformats.org/officeDocument/2006/relationships" xmlns:p="http://schemas.openxmlformats.org/presentationml/2006/main">
+  <p:cSld>
+    <p:bg>
+      <p:bgPr>
+        <a:gradFill flip="none" rotWithShape="1">
+          <a:gsLst>
+            <a:gs pos="100000">
+              <a:schemeClr val="tx2">
+                <a:lumMod val="60000"/>
+                <a:lumOff val="40000"/>
+              </a:schemeClr>
+            </a:gs>
+            <a:gs pos="55000">
+              <a:schemeClr val="tx2">
+                <a:lumMod val="20000"/>
+                <a:lumOff val="80000"/>
+              </a:schemeClr>
+            </a:gs>
+          </a:gsLst>
+          <a:lin ang="5400000" scaled="0"/>
+          <a:tileRect/>
+        </a:gradFill>
+        <a:effectLst/>
+      </p:bgPr>
+    </p:bg>
+    <p:spTree>
+      <p:nvGrpSpPr>
+        <p:cNvPr id="1" name=""/>
+        <p:cNvGrpSpPr/>
+        <p:nvPr/>
+      </p:nvGrpSpPr>
+      <p:grpSpPr>
+        <a:xfrm>
+          <a:off x="0" y="0"/>
+          <a:ext cx="0" cy="0"/>
+          <a:chOff x="0" y="0"/>
+          <a:chExt cx="0" cy="0"/>
+        </a:xfrm>
+      </p:grpSpPr>
+      <p:sp>
+        <p:nvSpPr>
+          <p:cNvPr id="2" name="Title 1"/>
+          <p:cNvSpPr>
+            <a:spLocks noGrp="1"/>
+          </p:cNvSpPr>
+          <p:nvPr>
+            <p:ph type="title"/>
+          </p:nvPr>
+        </p:nvSpPr>
+        <p:spPr/>
+        <p:txBody>
+          <a:bodyPr>
+            <a:normAutofit fontScale="90000"/>
+          </a:bodyPr>
+          <a:lstStyle/>
+          <a:p>
+            <a:pPr lvl="0"/>
+            <a:r>
+              <a:rPr lang="en-US" dirty="0" smtClean="0">
+                <a:effectLst/>
+              </a:rPr>
+              <a:t>Development Environment for Xamarin Android</a:t>
+            </a:r>
+            <a:endParaRPr lang="en-US" dirty="0"/>
+          </a:p>
+        </p:txBody>
+      </p:sp>
+      <p:sp>
+        <p:nvSpPr>
+          <p:cNvPr id="3" name="Content Placeholder 2"/>
+          <p:cNvSpPr>
+            <a:spLocks noGrp="1"/>
+          </p:cNvSpPr>
+          <p:nvPr>
+            <p:ph idx="1"/>
+          </p:nvPr>
+        </p:nvSpPr>
+        <p:spPr/>
+        <p:txBody>
+          <a:bodyPr/>
+          <a:lstStyle/>
+          <a:p>
+            <a:pPr lvl="2"/>
+            <a:r>
+              <a:rPr lang="en-US" sz="2800" dirty="0"/>
+              <a:t>Uses Mono framework, </a:t>
+            </a:r>
+            <a:r>
+              <a:rPr lang="en-US" sz="2800" dirty="0" smtClean="0"/>
+              <a:t>Open-source, cross-platform </a:t>
+            </a:r>
+            <a:r>
+              <a:rPr lang="en-US" sz="2800" dirty="0"/>
+              <a:t>port </a:t>
+            </a:r>
+            <a:r>
+              <a:rPr lang="en-US" sz="2800" dirty="0" smtClean="0"/>
+              <a:t>of a subset of Microsoft’s  </a:t>
+            </a:r>
+            <a:r>
+              <a:rPr lang="en-US" sz="2800" dirty="0"/>
+              <a:t>.</a:t>
+            </a:r>
+            <a:r>
+              <a:rPr lang="en-US" sz="2800" dirty="0" smtClean="0"/>
+              <a:t>NET Libraries</a:t>
+            </a:r>
+          </a:p>
+          <a:p>
+            <a:pPr lvl="2"/>
+            <a:r>
+              <a:rPr lang="en-US" sz="2800" dirty="0" smtClean="0"/>
+              <a:t>IDEs:</a:t>
+            </a:r>
+          </a:p>
+          <a:p>
+            <a:pPr lvl="3"/>
+            <a:r>
+              <a:rPr lang="en-US" sz="2400" dirty="0" smtClean="0">
+                <a:effectLst/>
+              </a:rPr>
+              <a:t>Visual Studio for Mac (Based on </a:t>
+            </a:r>
+            <a:r>
+              <a:rPr lang="en-US" sz="2400" dirty="0" err="1" smtClean="0">
+                <a:effectLst/>
+              </a:rPr>
+              <a:t>MonoDevelop</a:t>
+            </a:r>
+            <a:r>
+              <a:rPr lang="en-US" sz="2400" dirty="0" smtClean="0"/>
+              <a:t>)</a:t>
+            </a:r>
+          </a:p>
+          <a:p>
+            <a:pPr lvl="3"/>
+            <a:r>
+              <a:rPr lang="en-US" sz="2400" dirty="0" smtClean="0"/>
+              <a:t>Visual Studio for Windows</a:t>
+            </a:r>
+          </a:p>
+          <a:p>
+            <a:pPr lvl="3"/>
+            <a:r>
+              <a:rPr lang="en-US" sz="2400" dirty="0" smtClean="0"/>
+              <a:t>Jet Brains Rider for Windows, Mac, and Linux </a:t>
+            </a:r>
+            <a:br>
+              <a:rPr lang="en-US" sz="2400" dirty="0" smtClean="0"/>
+            </a:br>
+            <a:r>
+              <a:rPr lang="en-US" sz="2400" dirty="0" smtClean="0"/>
+              <a:t>(Still very new!)</a:t>
+            </a:r>
+            <a:endParaRPr lang="en-US" sz="2400" dirty="0" smtClean="0">
+              <a:effectLst/>
+            </a:endParaRPr>
+          </a:p>
+          <a:p>
+            <a:endParaRPr lang="en-US" dirty="0"/>
+          </a:p>
+        </p:txBody>
+      </p:sp>
+    </p:spTree>
+    <p:extLst>
+      <p:ext uri="{BB962C8B-B14F-4D97-AF65-F5344CB8AC3E}">
+        <p14:creationId xmlns:p14="http://schemas.microsoft.com/office/powerpoint/2010/main" val="2501614409"/>
+      </p:ext>
+    </p:extLst>
+  </p:cSld>
+  <p:clrMapOvr>
+    <a:masterClrMapping/>
+  </p:clrMapOvr>
+</p:sld>
+</file>
+
+<file path=ppt/slides/slide21.xml><?xml version="1.0" encoding="utf-8"?>
+<p:sld xmlns:a="http://schemas.openxmlformats.org/drawingml/2006/main" xmlns:r="http://schemas.openxmlformats.org/officeDocument/2006/relationships" xmlns:p="http://schemas.openxmlformats.org/presentationml/2006/main">
+  <p:cSld>
+    <p:bg>
+      <p:bgPr>
+        <a:gradFill flip="none" rotWithShape="1">
+          <a:gsLst>
+            <a:gs pos="100000">
+              <a:schemeClr val="tx2">
+                <a:lumMod val="60000"/>
+                <a:lumOff val="40000"/>
+              </a:schemeClr>
+            </a:gs>
+            <a:gs pos="55000">
+              <a:schemeClr val="tx2">
+                <a:lumMod val="20000"/>
+                <a:lumOff val="80000"/>
+              </a:schemeClr>
+            </a:gs>
+          </a:gsLst>
+          <a:lin ang="5400000" scaled="0"/>
+          <a:tileRect/>
+        </a:gradFill>
+        <a:effectLst/>
+      </p:bgPr>
+    </p:bg>
+    <p:spTree>
+      <p:nvGrpSpPr>
+        <p:cNvPr id="1" name=""/>
+        <p:cNvGrpSpPr/>
+        <p:nvPr/>
+      </p:nvGrpSpPr>
+      <p:grpSpPr>
+        <a:xfrm>
+          <a:off x="0" y="0"/>
+          <a:ext cx="0" cy="0"/>
+          <a:chOff x="0" y="0"/>
+          <a:chExt cx="0" cy="0"/>
+        </a:xfrm>
+      </p:grpSpPr>
+      <p:sp>
+        <p:nvSpPr>
+          <p:cNvPr id="2" name="Title 1"/>
+          <p:cNvSpPr>
+            <a:spLocks noGrp="1"/>
+          </p:cNvSpPr>
+          <p:nvPr>
+            <p:ph type="title"/>
+          </p:nvPr>
+        </p:nvSpPr>
+        <p:spPr/>
+        <p:txBody>
+          <a:bodyPr>
+            <a:normAutofit/>
+          </a:bodyPr>
+          <a:lstStyle/>
+          <a:p>
+            <a:pPr lvl="1" algn="ctr" defTabSz="457200" rtl="0">
+              <a:spcBef>
+                <a:spcPct val="0"/>
+              </a:spcBef>
+            </a:pPr>
+            <a:r>
+              <a:rPr lang="en-US" sz="3600" dirty="0"/>
+              <a:t>T</a:t>
+            </a:r>
+            <a:r>
+              <a:rPr lang="en-US" sz="3600" dirty="0" smtClean="0">
+                <a:effectLst/>
+              </a:rPr>
+              <a:t>esting and Emulators for Android</a:t>
+            </a:r>
+            <a:endParaRPr lang="en-US" sz="3600" dirty="0"/>
+          </a:p>
+        </p:txBody>
+      </p:sp>
+      <p:sp>
+        <p:nvSpPr>
+          <p:cNvPr id="3" name="Content Placeholder 2"/>
+          <p:cNvSpPr>
+            <a:spLocks noGrp="1"/>
+          </p:cNvSpPr>
+          <p:nvPr>
+            <p:ph idx="1"/>
+          </p:nvPr>
+        </p:nvSpPr>
+        <p:spPr/>
+        <p:txBody>
+          <a:bodyPr>
+            <a:normAutofit fontScale="47500" lnSpcReduction="20000"/>
+          </a:bodyPr>
+          <a:lstStyle/>
+          <a:p>
+            <a:r>
+              <a:rPr lang="en-US" sz="4400" dirty="0" smtClean="0">
+                <a:effectLst/>
+              </a:rPr>
+              <a:t>Android Debug Bridge (ADB) - part of the Android SDK </a:t>
+            </a:r>
+            <a:endParaRPr lang="en-US" sz="4400" dirty="0"/>
+          </a:p>
+          <a:p>
+            <a:pPr lvl="1"/>
+            <a:r>
+              <a:rPr lang="en-US" sz="3600" dirty="0" smtClean="0"/>
+              <a:t>Connects the IDE to a device or Emulator</a:t>
+            </a:r>
+          </a:p>
+          <a:p>
+            <a:r>
+              <a:rPr lang="en-US" sz="4400" dirty="0" smtClean="0">
+                <a:effectLst/>
+              </a:rPr>
+              <a:t>Google Emulator (part of the Android SDK)</a:t>
+            </a:r>
+          </a:p>
+          <a:p>
+            <a:pPr lvl="1"/>
+            <a:r>
+              <a:rPr lang="en-US" sz="3600" dirty="0" smtClean="0"/>
+              <a:t>Cross-platform (Windows, Mac, Linux)</a:t>
+            </a:r>
+          </a:p>
+          <a:p>
+            <a:pPr lvl="1"/>
+            <a:r>
+              <a:rPr lang="en-US" sz="3600" dirty="0" smtClean="0"/>
+              <a:t>Notoriously slow</a:t>
+            </a:r>
+            <a:endParaRPr lang="en-US" sz="3600" dirty="0" smtClean="0">
+              <a:effectLst/>
+            </a:endParaRPr>
+          </a:p>
+          <a:p>
+            <a:pPr lvl="1"/>
+            <a:r>
+              <a:rPr lang="en-US" sz="3600" dirty="0" smtClean="0">
+                <a:effectLst/>
+              </a:rPr>
+              <a:t>Intel </a:t>
+            </a:r>
+            <a:r>
+              <a:rPr lang="en-US" sz="3600" dirty="0" err="1" smtClean="0">
+                <a:effectLst/>
+              </a:rPr>
+              <a:t>Haxm</a:t>
+            </a:r>
+            <a:r>
+              <a:rPr lang="en-US" sz="3600" dirty="0" smtClean="0">
+                <a:effectLst/>
+              </a:rPr>
+              <a:t> </a:t>
+            </a:r>
+            <a:r>
+              <a:rPr lang="mr-IN" sz="3600" dirty="0" smtClean="0">
+                <a:effectLst/>
+              </a:rPr>
+              <a:t>–</a:t>
+            </a:r>
+            <a:r>
+              <a:rPr lang="en-US" sz="3600" dirty="0" smtClean="0">
+                <a:effectLst/>
+              </a:rPr>
+              <a:t> speeds up the Google emulators</a:t>
+            </a:r>
+            <a:endParaRPr lang="en-US" sz="3600" dirty="0" smtClean="0"/>
+          </a:p>
+          <a:p>
+            <a:pPr lvl="2"/>
+            <a:r>
+              <a:rPr lang="en-US" sz="2900" dirty="0" smtClean="0"/>
+              <a:t>Downloadable via the Android SDK Manager</a:t>
+            </a:r>
+            <a:endParaRPr lang="en-US" sz="2900" dirty="0" smtClean="0">
+              <a:effectLst/>
+            </a:endParaRPr>
+          </a:p>
+          <a:p>
+            <a:r>
+              <a:rPr lang="en-US" sz="4400" dirty="0" err="1" smtClean="0">
+                <a:effectLst/>
+              </a:rPr>
+              <a:t>GenyMotion</a:t>
+            </a:r>
+            <a:endParaRPr lang="en-US" sz="4400" dirty="0" smtClean="0">
+              <a:effectLst/>
+            </a:endParaRPr>
+          </a:p>
+          <a:p>
+            <a:pPr lvl="1"/>
+            <a:r>
+              <a:rPr lang="en-US" sz="3600" dirty="0">
+                <a:hlinkClick r:id="rId2"/>
+              </a:rPr>
+              <a:t>https://www.genymotion.com/pricing-and-</a:t>
+            </a:r>
+            <a:r>
+              <a:rPr lang="en-US" sz="3600" dirty="0" smtClean="0">
+                <a:hlinkClick r:id="rId2"/>
+              </a:rPr>
+              <a:t>licensing</a:t>
+            </a:r>
+            <a:r>
+              <a:rPr lang="en-US" sz="3600" dirty="0" smtClean="0"/>
+              <a:t> </a:t>
+            </a:r>
+            <a:endParaRPr lang="en-US" sz="3600" dirty="0"/>
+          </a:p>
+          <a:p>
+            <a:pPr lvl="1"/>
+            <a:r>
+              <a:rPr lang="en-US" sz="3600" dirty="0" smtClean="0">
+                <a:effectLst/>
+              </a:rPr>
+              <a:t>The Individual, Basic plan is free</a:t>
+            </a:r>
+          </a:p>
+          <a:p>
+            <a:r>
+              <a:rPr lang="en-US" sz="4400" dirty="0" smtClean="0">
+                <a:effectLst/>
+              </a:rPr>
+              <a:t>Visual Studio </a:t>
+            </a:r>
+            <a:r>
+              <a:rPr lang="en-US" sz="4400" dirty="0"/>
+              <a:t>Android Emulator </a:t>
+            </a:r>
+            <a:endParaRPr lang="en-US" sz="4400" dirty="0" smtClean="0"/>
+          </a:p>
+          <a:p>
+            <a:pPr lvl="1"/>
+            <a:r>
+              <a:rPr lang="en-US" sz="3600" dirty="0" smtClean="0">
+                <a:hlinkClick r:id="rId3"/>
+              </a:rPr>
+              <a:t>https</a:t>
+            </a:r>
+            <a:r>
+              <a:rPr lang="en-US" sz="3600" dirty="0">
+                <a:hlinkClick r:id="rId3"/>
+              </a:rPr>
+              <a:t>://</a:t>
+            </a:r>
+            <a:r>
+              <a:rPr lang="en-US" sz="3600" dirty="0" smtClean="0">
+                <a:hlinkClick r:id="rId3"/>
+              </a:rPr>
+              <a:t>www.visualstudio.com/en-us/features/msft-android-emulator-vs.aspx</a:t>
+            </a:r>
+            <a:endParaRPr lang="en-US" sz="3600" dirty="0" smtClean="0"/>
+          </a:p>
+          <a:p>
+            <a:pPr lvl="1"/>
+            <a:r>
+              <a:rPr lang="en-US" sz="3600" dirty="0" smtClean="0">
+                <a:effectLst/>
+              </a:rPr>
+              <a:t>Requires Windows 10</a:t>
+            </a:r>
+          </a:p>
+          <a:p>
+            <a:r>
+              <a:rPr lang="en-US" sz="4400" dirty="0" smtClean="0">
+                <a:effectLst/>
+              </a:rPr>
+              <a:t>Actual Android device</a:t>
+            </a:r>
+          </a:p>
+          <a:p>
+            <a:endParaRPr lang="en-US" dirty="0"/>
+          </a:p>
+        </p:txBody>
+      </p:sp>
+    </p:spTree>
+    <p:extLst>
+      <p:ext uri="{BB962C8B-B14F-4D97-AF65-F5344CB8AC3E}">
+        <p14:creationId xmlns:p14="http://schemas.microsoft.com/office/powerpoint/2010/main" val="3945486358"/>
+      </p:ext>
+    </p:extLst>
+  </p:cSld>
+  <p:clrMapOvr>
+    <a:masterClrMapping/>
+  </p:clrMapOvr>
+</p:sld>
+</file>
+
 <file path=ppt/slides/slide3.xml><?xml version="1.0" encoding="utf-8"?>
 <p:sld xmlns:a="http://schemas.openxmlformats.org/drawingml/2006/main" xmlns:r="http://schemas.openxmlformats.org/officeDocument/2006/relationships" xmlns:p="http://schemas.openxmlformats.org/presentationml/2006/main">
   <p:cSld>
@@ -6686,7 +7291,7 @@
           <a:p>
             <a:r>
               <a:rPr lang="en-US" dirty="0" smtClean="0"/>
-              <a:t>BSEE from PSU</a:t>
+              <a:t>BSEE from PSU, MA from UO</a:t>
             </a:r>
           </a:p>
           <a:p>
@@ -6700,13 +7305,8 @@
             </a:r>
             <a:r>
               <a:rPr lang="en-US" dirty="0" smtClean="0"/>
-              <a:t> Semiconductor, then morphed into a software </a:t>
-            </a:r>
-            <a:r>
-              <a:rPr lang="en-US" dirty="0" smtClean="0"/>
-              <a:t>engineer</a:t>
-            </a:r>
-            <a:endParaRPr lang="en-US" dirty="0" smtClean="0"/>
+              <a:t> Semiconductor, then morphed into a software engineer</a:t>
+            </a:r>
           </a:p>
           <a:p>
             <a:r>
@@ -6721,7 +7321,6 @@
               <a:rPr lang="en-US" dirty="0" smtClean="0"/>
               <a:t> Inc.</a:t>
             </a:r>
-            <a:endParaRPr lang="en-US" dirty="0" smtClean="0"/>
           </a:p>
           <a:p>
             <a:r>
@@ -6847,15 +7446,7 @@
           <a:p>
             <a:r>
               <a:rPr lang="en-US" dirty="0" smtClean="0"/>
-              <a:t>Which degree or </a:t>
-            </a:r>
-            <a:r>
-              <a:rPr lang="en-US" dirty="0" smtClean="0"/>
-              <a:t>certificate are </a:t>
-            </a:r>
-            <a:r>
-              <a:rPr lang="en-US" dirty="0" smtClean="0"/>
-              <a:t>you pursuing?</a:t>
+              <a:t>Which degree or certificate are you pursuing?</a:t>
             </a:r>
           </a:p>
           <a:p>
@@ -7379,7 +7970,7 @@
             </a:pPr>
             <a:r>
               <a:rPr lang="en-US" dirty="0" smtClean="0"/>
-              <a:t>Android users outnumber iOS users</a:t>
+              <a:t>Android devices outnumber iOS devices</a:t>
             </a:r>
           </a:p>
           <a:p>
